--- a/presentation/Intro-to-APIs.pptx
+++ b/presentation/Intro-to-APIs.pptx
@@ -294,7 +294,7 @@
           <a:p>
             <a:fld id="{69D7F17B-0ECD-554D-8A5B-D311C4D74A42}" type="datetimeFigureOut">
               <a:rPr lang="en-US" smtClean="0"/>
-              <a:t>2/22/16</a:t>
+              <a:t>2/25/16</a:t>
             </a:fld>
             <a:endParaRPr lang="en-US"/>
           </a:p>
@@ -464,7 +464,7 @@
           <a:p>
             <a:fld id="{69D7F17B-0ECD-554D-8A5B-D311C4D74A42}" type="datetimeFigureOut">
               <a:rPr lang="en-US" smtClean="0"/>
-              <a:t>2/22/16</a:t>
+              <a:t>2/25/16</a:t>
             </a:fld>
             <a:endParaRPr lang="en-US"/>
           </a:p>
@@ -644,7 +644,7 @@
           <a:p>
             <a:fld id="{69D7F17B-0ECD-554D-8A5B-D311C4D74A42}" type="datetimeFigureOut">
               <a:rPr lang="en-US" smtClean="0"/>
-              <a:t>2/22/16</a:t>
+              <a:t>2/25/16</a:t>
             </a:fld>
             <a:endParaRPr lang="en-US"/>
           </a:p>
@@ -814,7 +814,7 @@
           <a:p>
             <a:fld id="{69D7F17B-0ECD-554D-8A5B-D311C4D74A42}" type="datetimeFigureOut">
               <a:rPr lang="en-US" smtClean="0"/>
-              <a:t>2/22/16</a:t>
+              <a:t>2/25/16</a:t>
             </a:fld>
             <a:endParaRPr lang="en-US"/>
           </a:p>
@@ -1060,7 +1060,7 @@
           <a:p>
             <a:fld id="{69D7F17B-0ECD-554D-8A5B-D311C4D74A42}" type="datetimeFigureOut">
               <a:rPr lang="en-US" smtClean="0"/>
-              <a:t>2/22/16</a:t>
+              <a:t>2/25/16</a:t>
             </a:fld>
             <a:endParaRPr lang="en-US"/>
           </a:p>
@@ -1348,7 +1348,7 @@
           <a:p>
             <a:fld id="{69D7F17B-0ECD-554D-8A5B-D311C4D74A42}" type="datetimeFigureOut">
               <a:rPr lang="en-US" smtClean="0"/>
-              <a:t>2/22/16</a:t>
+              <a:t>2/25/16</a:t>
             </a:fld>
             <a:endParaRPr lang="en-US"/>
           </a:p>
@@ -1770,7 +1770,7 @@
           <a:p>
             <a:fld id="{69D7F17B-0ECD-554D-8A5B-D311C4D74A42}" type="datetimeFigureOut">
               <a:rPr lang="en-US" smtClean="0"/>
-              <a:t>2/22/16</a:t>
+              <a:t>2/25/16</a:t>
             </a:fld>
             <a:endParaRPr lang="en-US"/>
           </a:p>
@@ -1888,7 +1888,7 @@
           <a:p>
             <a:fld id="{69D7F17B-0ECD-554D-8A5B-D311C4D74A42}" type="datetimeFigureOut">
               <a:rPr lang="en-US" smtClean="0"/>
-              <a:t>2/22/16</a:t>
+              <a:t>2/25/16</a:t>
             </a:fld>
             <a:endParaRPr lang="en-US"/>
           </a:p>
@@ -1983,7 +1983,7 @@
           <a:p>
             <a:fld id="{69D7F17B-0ECD-554D-8A5B-D311C4D74A42}" type="datetimeFigureOut">
               <a:rPr lang="en-US" smtClean="0"/>
-              <a:t>2/22/16</a:t>
+              <a:t>2/25/16</a:t>
             </a:fld>
             <a:endParaRPr lang="en-US"/>
           </a:p>
@@ -2260,7 +2260,7 @@
           <a:p>
             <a:fld id="{69D7F17B-0ECD-554D-8A5B-D311C4D74A42}" type="datetimeFigureOut">
               <a:rPr lang="en-US" smtClean="0"/>
-              <a:t>2/22/16</a:t>
+              <a:t>2/25/16</a:t>
             </a:fld>
             <a:endParaRPr lang="en-US"/>
           </a:p>
@@ -2517,7 +2517,7 @@
           <a:p>
             <a:fld id="{69D7F17B-0ECD-554D-8A5B-D311C4D74A42}" type="datetimeFigureOut">
               <a:rPr lang="en-US" smtClean="0"/>
-              <a:t>2/22/16</a:t>
+              <a:t>2/25/16</a:t>
             </a:fld>
             <a:endParaRPr lang="en-US"/>
           </a:p>
@@ -2730,7 +2730,7 @@
           <a:p>
             <a:fld id="{69D7F17B-0ECD-554D-8A5B-D311C4D74A42}" type="datetimeFigureOut">
               <a:rPr lang="en-US" smtClean="0"/>
-              <a:t>2/22/16</a:t>
+              <a:t>2/25/16</a:t>
             </a:fld>
             <a:endParaRPr lang="en-US"/>
           </a:p>
@@ -3754,6 +3754,29 @@
           </a:p>
         </p:txBody>
       </p:sp>
+      <p:pic>
+        <p:nvPicPr>
+          <p:cNvPr id="4" name="Picture 3"/>
+          <p:cNvPicPr>
+            <a:picLocks noChangeAspect="1"/>
+          </p:cNvPicPr>
+          <p:nvPr/>
+        </p:nvPicPr>
+        <p:blipFill rotWithShape="1">
+          <a:blip r:embed="rId2"/>
+          <a:srcRect r="59844" b="78876"/>
+          <a:stretch/>
+        </p:blipFill>
+        <p:spPr>
+          <a:xfrm>
+            <a:off x="1926351" y="3934978"/>
+            <a:ext cx="5225550" cy="2221240"/>
+          </a:xfrm>
+          <a:prstGeom prst="rect">
+            <a:avLst/>
+          </a:prstGeom>
+        </p:spPr>
+      </p:pic>
     </p:spTree>
     <p:extLst>
       <p:ext uri="{BB962C8B-B14F-4D97-AF65-F5344CB8AC3E}">
@@ -3994,7 +4017,7 @@
         </p:blipFill>
         <p:spPr>
           <a:xfrm>
-            <a:off x="1459470" y="2861067"/>
+            <a:off x="1459470" y="3254135"/>
             <a:ext cx="482600" cy="482600"/>
           </a:xfrm>
           <a:prstGeom prst="rect">
@@ -4018,7 +4041,7 @@
         </p:blipFill>
         <p:spPr>
           <a:xfrm>
-            <a:off x="5486422" y="2861067"/>
+            <a:off x="5486422" y="3254135"/>
             <a:ext cx="215900" cy="482600"/>
           </a:xfrm>
           <a:prstGeom prst="rect">
@@ -4042,7 +4065,7 @@
         </p:blipFill>
         <p:spPr>
           <a:xfrm>
-            <a:off x="3415796" y="2861067"/>
+            <a:off x="3415796" y="3254135"/>
             <a:ext cx="596900" cy="482600"/>
           </a:xfrm>
           <a:prstGeom prst="rect">
@@ -4066,7 +4089,7 @@
         </p:blipFill>
         <p:spPr>
           <a:xfrm>
-            <a:off x="7176047" y="2745617"/>
+            <a:off x="7176047" y="3138685"/>
             <a:ext cx="717858" cy="717858"/>
           </a:xfrm>
           <a:prstGeom prst="rect">

--- a/presentation/Intro-to-APIs.pptx
+++ b/presentation/Intro-to-APIs.pptx
@@ -10,8 +10,10 @@
     <p:sldId id="258" r:id="rId4"/>
     <p:sldId id="259" r:id="rId5"/>
     <p:sldId id="260" r:id="rId6"/>
-    <p:sldId id="261" r:id="rId7"/>
-    <p:sldId id="262" r:id="rId8"/>
+    <p:sldId id="264" r:id="rId7"/>
+    <p:sldId id="261" r:id="rId8"/>
+    <p:sldId id="263" r:id="rId9"/>
+    <p:sldId id="262" r:id="rId10"/>
   </p:sldIdLst>
   <p:sldSz cx="9144000" cy="6858000" type="screen4x3"/>
   <p:notesSz cx="6858000" cy="9144000"/>
@@ -294,7 +296,7 @@
           <a:p>
             <a:fld id="{69D7F17B-0ECD-554D-8A5B-D311C4D74A42}" type="datetimeFigureOut">
               <a:rPr lang="en-US" smtClean="0"/>
-              <a:t>2/25/16</a:t>
+              <a:t>2/27/16</a:t>
             </a:fld>
             <a:endParaRPr lang="en-US"/>
           </a:p>
@@ -464,7 +466,7 @@
           <a:p>
             <a:fld id="{69D7F17B-0ECD-554D-8A5B-D311C4D74A42}" type="datetimeFigureOut">
               <a:rPr lang="en-US" smtClean="0"/>
-              <a:t>2/25/16</a:t>
+              <a:t>2/27/16</a:t>
             </a:fld>
             <a:endParaRPr lang="en-US"/>
           </a:p>
@@ -644,7 +646,7 @@
           <a:p>
             <a:fld id="{69D7F17B-0ECD-554D-8A5B-D311C4D74A42}" type="datetimeFigureOut">
               <a:rPr lang="en-US" smtClean="0"/>
-              <a:t>2/25/16</a:t>
+              <a:t>2/27/16</a:t>
             </a:fld>
             <a:endParaRPr lang="en-US"/>
           </a:p>
@@ -814,7 +816,7 @@
           <a:p>
             <a:fld id="{69D7F17B-0ECD-554D-8A5B-D311C4D74A42}" type="datetimeFigureOut">
               <a:rPr lang="en-US" smtClean="0"/>
-              <a:t>2/25/16</a:t>
+              <a:t>2/27/16</a:t>
             </a:fld>
             <a:endParaRPr lang="en-US"/>
           </a:p>
@@ -1060,7 +1062,7 @@
           <a:p>
             <a:fld id="{69D7F17B-0ECD-554D-8A5B-D311C4D74A42}" type="datetimeFigureOut">
               <a:rPr lang="en-US" smtClean="0"/>
-              <a:t>2/25/16</a:t>
+              <a:t>2/27/16</a:t>
             </a:fld>
             <a:endParaRPr lang="en-US"/>
           </a:p>
@@ -1348,7 +1350,7 @@
           <a:p>
             <a:fld id="{69D7F17B-0ECD-554D-8A5B-D311C4D74A42}" type="datetimeFigureOut">
               <a:rPr lang="en-US" smtClean="0"/>
-              <a:t>2/25/16</a:t>
+              <a:t>2/27/16</a:t>
             </a:fld>
             <a:endParaRPr lang="en-US"/>
           </a:p>
@@ -1770,7 +1772,7 @@
           <a:p>
             <a:fld id="{69D7F17B-0ECD-554D-8A5B-D311C4D74A42}" type="datetimeFigureOut">
               <a:rPr lang="en-US" smtClean="0"/>
-              <a:t>2/25/16</a:t>
+              <a:t>2/27/16</a:t>
             </a:fld>
             <a:endParaRPr lang="en-US"/>
           </a:p>
@@ -1888,7 +1890,7 @@
           <a:p>
             <a:fld id="{69D7F17B-0ECD-554D-8A5B-D311C4D74A42}" type="datetimeFigureOut">
               <a:rPr lang="en-US" smtClean="0"/>
-              <a:t>2/25/16</a:t>
+              <a:t>2/27/16</a:t>
             </a:fld>
             <a:endParaRPr lang="en-US"/>
           </a:p>
@@ -1983,7 +1985,7 @@
           <a:p>
             <a:fld id="{69D7F17B-0ECD-554D-8A5B-D311C4D74A42}" type="datetimeFigureOut">
               <a:rPr lang="en-US" smtClean="0"/>
-              <a:t>2/25/16</a:t>
+              <a:t>2/27/16</a:t>
             </a:fld>
             <a:endParaRPr lang="en-US"/>
           </a:p>
@@ -2260,7 +2262,7 @@
           <a:p>
             <a:fld id="{69D7F17B-0ECD-554D-8A5B-D311C4D74A42}" type="datetimeFigureOut">
               <a:rPr lang="en-US" smtClean="0"/>
-              <a:t>2/25/16</a:t>
+              <a:t>2/27/16</a:t>
             </a:fld>
             <a:endParaRPr lang="en-US"/>
           </a:p>
@@ -2517,7 +2519,7 @@
           <a:p>
             <a:fld id="{69D7F17B-0ECD-554D-8A5B-D311C4D74A42}" type="datetimeFigureOut">
               <a:rPr lang="en-US" smtClean="0"/>
-              <a:t>2/25/16</a:t>
+              <a:t>2/27/16</a:t>
             </a:fld>
             <a:endParaRPr lang="en-US"/>
           </a:p>
@@ -2730,7 +2732,7 @@
           <a:p>
             <a:fld id="{69D7F17B-0ECD-554D-8A5B-D311C4D74A42}" type="datetimeFigureOut">
               <a:rPr lang="en-US" smtClean="0"/>
-              <a:t>2/25/16</a:t>
+              <a:t>2/27/16</a:t>
             </a:fld>
             <a:endParaRPr lang="en-US"/>
           </a:p>
@@ -3539,33 +3541,26 @@
         </p:nvSpPr>
         <p:spPr>
           <a:xfrm>
-            <a:off x="3382245" y="3910774"/>
+            <a:off x="3382245" y="3245582"/>
             <a:ext cx="1107273" cy="414970"/>
           </a:xfrm>
           <a:prstGeom prst="rightArrow">
             <a:avLst/>
           </a:prstGeom>
-          <a:solidFill>
-            <a:srgbClr val="C0504D"/>
-          </a:solidFill>
-          <a:ln>
-            <a:noFill/>
-          </a:ln>
+          <a:ln/>
         </p:spPr>
         <p:style>
           <a:lnRef idx="2">
-            <a:schemeClr val="accent2">
-              <a:shade val="50000"/>
-            </a:schemeClr>
+            <a:schemeClr val="dk1"/>
           </a:lnRef>
           <a:fillRef idx="1">
-            <a:schemeClr val="accent2"/>
+            <a:schemeClr val="lt1"/>
           </a:fillRef>
           <a:effectRef idx="0">
-            <a:schemeClr val="accent2"/>
+            <a:schemeClr val="dk1"/>
           </a:effectRef>
           <a:fontRef idx="minor">
-            <a:schemeClr val="lt1"/>
+            <a:schemeClr val="dk1"/>
           </a:fontRef>
         </p:style>
         <p:txBody>
@@ -3593,8 +3588,8 @@
         </p:blipFill>
         <p:spPr>
           <a:xfrm>
-            <a:off x="331470" y="1534130"/>
-            <a:ext cx="2899620" cy="5157457"/>
+            <a:off x="769959" y="1292008"/>
+            <a:ext cx="2434666" cy="4330458"/>
           </a:xfrm>
           <a:prstGeom prst="rect">
             <a:avLst/>
@@ -3617,7 +3612,7 @@
         </p:blipFill>
         <p:spPr>
           <a:xfrm>
-            <a:off x="4602644" y="2377802"/>
+            <a:off x="4602644" y="1712610"/>
             <a:ext cx="4315042" cy="3486786"/>
           </a:xfrm>
           <a:prstGeom prst="rect">
@@ -3625,6 +3620,56 @@
           </a:prstGeom>
         </p:spPr>
       </p:pic>
+      <p:sp>
+        <p:nvSpPr>
+          <p:cNvPr id="3" name="TextBox 2"/>
+          <p:cNvSpPr txBox="1"/>
+          <p:nvPr/>
+        </p:nvSpPr>
+        <p:spPr>
+          <a:xfrm>
+            <a:off x="2010999" y="5892855"/>
+            <a:ext cx="3840556" cy="461665"/>
+          </a:xfrm>
+          <a:prstGeom prst="rect">
+            <a:avLst/>
+          </a:prstGeom>
+          <a:noFill/>
+        </p:spPr>
+        <p:txBody>
+          <a:bodyPr wrap="square" rtlCol="0">
+            <a:spAutoFit/>
+          </a:bodyPr>
+          <a:lstStyle/>
+          <a:p>
+            <a:pPr algn="ctr"/>
+            <a:r>
+              <a:rPr lang="en-US" sz="2400" dirty="0">
+                <a:solidFill>
+                  <a:srgbClr val="FF0000"/>
+                </a:solidFill>
+              </a:rPr>
+              <a:t>https://</a:t>
+            </a:r>
+            <a:r>
+              <a:rPr lang="en-US" sz="2400" dirty="0" err="1">
+                <a:solidFill>
+                  <a:srgbClr val="FF0000"/>
+                </a:solidFill>
+              </a:rPr>
+              <a:t>goo.gl</a:t>
+            </a:r>
+            <a:r>
+              <a:rPr lang="en-US" sz="2400" dirty="0">
+                <a:solidFill>
+                  <a:srgbClr val="FF0000"/>
+                </a:solidFill>
+              </a:rPr>
+              <a:t>/1FiD6A</a:t>
+            </a:r>
+          </a:p>
+        </p:txBody>
+      </p:sp>
     </p:spTree>
     <p:extLst>
       <p:ext uri="{BB962C8B-B14F-4D97-AF65-F5344CB8AC3E}">
@@ -3831,6 +3876,102 @@
           <a:p>
             <a:r>
               <a:rPr lang="en-US" dirty="0" smtClean="0"/>
+              <a:t>REST API Demo</a:t>
+            </a:r>
+            <a:endParaRPr lang="en-US" dirty="0"/>
+          </a:p>
+        </p:txBody>
+      </p:sp>
+      <p:sp>
+        <p:nvSpPr>
+          <p:cNvPr id="3" name="Content Placeholder 2"/>
+          <p:cNvSpPr>
+            <a:spLocks noGrp="1"/>
+          </p:cNvSpPr>
+          <p:nvPr>
+            <p:ph idx="1"/>
+          </p:nvPr>
+        </p:nvSpPr>
+        <p:spPr/>
+        <p:txBody>
+          <a:bodyPr anchor="ctr"/>
+          <a:lstStyle/>
+          <a:p>
+            <a:pPr marL="0" indent="0" algn="ctr">
+              <a:buNone/>
+            </a:pPr>
+            <a:endParaRPr lang="en-US" sz="4800" dirty="0" smtClean="0"/>
+          </a:p>
+          <a:p>
+            <a:pPr marL="0" indent="0" algn="ctr">
+              <a:buNone/>
+            </a:pPr>
+            <a:r>
+              <a:rPr lang="en-US" i="1" dirty="0" smtClean="0"/>
+              <a:t>Language-specific examples</a:t>
+            </a:r>
+          </a:p>
+          <a:p>
+            <a:pPr marL="0" indent="0" algn="ctr">
+              <a:buNone/>
+            </a:pPr>
+            <a:r>
+              <a:rPr lang="en-US" i="1" dirty="0" smtClean="0"/>
+              <a:t>PHP App</a:t>
+            </a:r>
+          </a:p>
+          <a:p>
+            <a:endParaRPr lang="en-US" sz="4800" dirty="0"/>
+          </a:p>
+        </p:txBody>
+      </p:sp>
+    </p:spTree>
+    <p:extLst>
+      <p:ext uri="{BB962C8B-B14F-4D97-AF65-F5344CB8AC3E}">
+        <p14:creationId xmlns:p14="http://schemas.microsoft.com/office/powerpoint/2010/main" val="2918474757"/>
+      </p:ext>
+    </p:extLst>
+  </p:cSld>
+  <p:clrMapOvr>
+    <a:masterClrMapping/>
+  </p:clrMapOvr>
+</p:sld>
+</file>
+
+<file path=ppt/slides/slide7.xml><?xml version="1.0" encoding="utf-8"?>
+<p:sld xmlns:a="http://schemas.openxmlformats.org/drawingml/2006/main" xmlns:r="http://schemas.openxmlformats.org/officeDocument/2006/relationships" xmlns:p="http://schemas.openxmlformats.org/presentationml/2006/main">
+  <p:cSld>
+    <p:spTree>
+      <p:nvGrpSpPr>
+        <p:cNvPr id="1" name=""/>
+        <p:cNvGrpSpPr/>
+        <p:nvPr/>
+      </p:nvGrpSpPr>
+      <p:grpSpPr>
+        <a:xfrm>
+          <a:off x="0" y="0"/>
+          <a:ext cx="0" cy="0"/>
+          <a:chOff x="0" y="0"/>
+          <a:chExt cx="0" cy="0"/>
+        </a:xfrm>
+      </p:grpSpPr>
+      <p:sp>
+        <p:nvSpPr>
+          <p:cNvPr id="2" name="Title 1"/>
+          <p:cNvSpPr>
+            <a:spLocks noGrp="1"/>
+          </p:cNvSpPr>
+          <p:nvPr>
+            <p:ph type="title"/>
+          </p:nvPr>
+        </p:nvSpPr>
+        <p:spPr/>
+        <p:txBody>
+          <a:bodyPr/>
+          <a:lstStyle/>
+          <a:p>
+            <a:r>
+              <a:rPr lang="en-US" dirty="0" smtClean="0"/>
               <a:t>SDK’s</a:t>
             </a:r>
             <a:endParaRPr lang="en-US" dirty="0"/>
@@ -3961,7 +4102,109 @@
 </p:sld>
 </file>
 
-<file path=ppt/slides/slide7.xml><?xml version="1.0" encoding="utf-8"?>
+<file path=ppt/slides/slide8.xml><?xml version="1.0" encoding="utf-8"?>
+<p:sld xmlns:a="http://schemas.openxmlformats.org/drawingml/2006/main" xmlns:r="http://schemas.openxmlformats.org/officeDocument/2006/relationships" xmlns:p="http://schemas.openxmlformats.org/presentationml/2006/main">
+  <p:cSld>
+    <p:spTree>
+      <p:nvGrpSpPr>
+        <p:cNvPr id="1" name=""/>
+        <p:cNvGrpSpPr/>
+        <p:nvPr/>
+      </p:nvGrpSpPr>
+      <p:grpSpPr>
+        <a:xfrm>
+          <a:off x="0" y="0"/>
+          <a:ext cx="0" cy="0"/>
+          <a:chOff x="0" y="0"/>
+          <a:chExt cx="0" cy="0"/>
+        </a:xfrm>
+      </p:grpSpPr>
+      <p:sp>
+        <p:nvSpPr>
+          <p:cNvPr id="2" name="Title 1"/>
+          <p:cNvSpPr>
+            <a:spLocks noGrp="1"/>
+          </p:cNvSpPr>
+          <p:nvPr>
+            <p:ph type="title"/>
+          </p:nvPr>
+        </p:nvSpPr>
+        <p:spPr/>
+        <p:txBody>
+          <a:bodyPr/>
+          <a:lstStyle/>
+          <a:p>
+            <a:r>
+              <a:rPr lang="en-US" dirty="0" err="1" smtClean="0"/>
+              <a:t>Twilio</a:t>
+            </a:r>
+            <a:endParaRPr lang="en-US" dirty="0"/>
+          </a:p>
+        </p:txBody>
+      </p:sp>
+      <p:sp>
+        <p:nvSpPr>
+          <p:cNvPr id="3" name="Content Placeholder 2"/>
+          <p:cNvSpPr>
+            <a:spLocks noGrp="1"/>
+          </p:cNvSpPr>
+          <p:nvPr>
+            <p:ph idx="1"/>
+          </p:nvPr>
+        </p:nvSpPr>
+        <p:spPr/>
+        <p:txBody>
+          <a:bodyPr/>
+          <a:lstStyle/>
+          <a:p>
+            <a:pPr marL="0" indent="0">
+              <a:buNone/>
+            </a:pPr>
+            <a:r>
+              <a:rPr lang="en-US" dirty="0" smtClean="0"/>
+              <a:t>Text anything you’d (keep it clean!) like to:</a:t>
+            </a:r>
+          </a:p>
+          <a:p>
+            <a:pPr marL="0" indent="0">
+              <a:buNone/>
+            </a:pPr>
+            <a:endParaRPr lang="en-US" dirty="0" smtClean="0"/>
+          </a:p>
+          <a:p>
+            <a:pPr marL="0" indent="0" algn="ctr">
+              <a:buNone/>
+            </a:pPr>
+            <a:r>
+              <a:rPr lang="en-US" sz="7200" dirty="0" smtClean="0">
+                <a:solidFill>
+                  <a:srgbClr val="FF0000"/>
+                </a:solidFill>
+              </a:rPr>
+              <a:t>+1 (973) 321-4779</a:t>
+            </a:r>
+            <a:endParaRPr lang="en-US" sz="7200" dirty="0">
+              <a:solidFill>
+                <a:srgbClr val="FF0000"/>
+              </a:solidFill>
+            </a:endParaRPr>
+          </a:p>
+        </p:txBody>
+      </p:sp>
+    </p:spTree>
+    <p:extLst>
+      <p:ext uri="{BB962C8B-B14F-4D97-AF65-F5344CB8AC3E}">
+        <p14:creationId xmlns:p14="http://schemas.microsoft.com/office/powerpoint/2010/main" val="3789910782"/>
+      </p:ext>
+    </p:extLst>
+  </p:cSld>
+  <p:clrMapOvr>
+    <a:masterClrMapping/>
+  </p:clrMapOvr>
+</p:sld>
+</file>
+
+<file path=ppt/slides/slide9.xml><?xml version="1.0" encoding="utf-8"?>
 <p:sld xmlns:a="http://schemas.openxmlformats.org/drawingml/2006/main" xmlns:r="http://schemas.openxmlformats.org/officeDocument/2006/relationships" xmlns:p="http://schemas.openxmlformats.org/presentationml/2006/main">
   <p:cSld>
     <p:spTree>

--- a/presentation/Intro-to-APIs.pptx
+++ b/presentation/Intro-to-APIs.pptx
@@ -3187,6 +3187,13 @@
   <p:clrMapOvr>
     <a:masterClrMapping/>
   </p:clrMapOvr>
+  <p:timing>
+    <p:tnLst>
+      <p:par>
+        <p:cTn xmlns:p14="http://schemas.microsoft.com/office/powerpoint/2010/main" id="1" dur="indefinite" restart="never" nodeType="tmRoot"/>
+      </p:par>
+    </p:tnLst>
+  </p:timing>
 </p:sld>
 </file>
 
@@ -3311,6 +3318,13 @@
   <p:clrMapOvr>
     <a:masterClrMapping/>
   </p:clrMapOvr>
+  <p:timing>
+    <p:tnLst>
+      <p:par>
+        <p:cTn xmlns:p14="http://schemas.microsoft.com/office/powerpoint/2010/main" id="1" dur="indefinite" restart="never" nodeType="tmRoot"/>
+      </p:par>
+    </p:tnLst>
+  </p:timing>
 </p:sld>
 </file>
 
@@ -3628,8 +3642,8 @@
         </p:nvSpPr>
         <p:spPr>
           <a:xfrm>
-            <a:off x="2010999" y="5892855"/>
-            <a:ext cx="3840556" cy="461665"/>
+            <a:off x="871621" y="5890236"/>
+            <a:ext cx="6906688" cy="830997"/>
           </a:xfrm>
           <a:prstGeom prst="rect">
             <a:avLst/>
@@ -3644,27 +3658,15 @@
           <a:p>
             <a:pPr algn="ctr"/>
             <a:r>
-              <a:rPr lang="en-US" sz="2400" dirty="0">
-                <a:solidFill>
-                  <a:srgbClr val="FF0000"/>
-                </a:solidFill>
-              </a:rPr>
+              <a:rPr lang="en-US" sz="4800" b="1" dirty="0"/>
               <a:t>https://</a:t>
             </a:r>
             <a:r>
-              <a:rPr lang="en-US" sz="2400" dirty="0" err="1">
-                <a:solidFill>
-                  <a:srgbClr val="FF0000"/>
-                </a:solidFill>
-              </a:rPr>
+              <a:rPr lang="en-US" sz="4800" b="1" dirty="0" err="1"/>
               <a:t>goo.gl</a:t>
             </a:r>
             <a:r>
-              <a:rPr lang="en-US" sz="2400" dirty="0">
-                <a:solidFill>
-                  <a:srgbClr val="FF0000"/>
-                </a:solidFill>
-              </a:rPr>
+              <a:rPr lang="en-US" sz="4800" b="1" dirty="0"/>
               <a:t>/1FiD6A</a:t>
             </a:r>
           </a:p>
@@ -3935,6 +3937,13 @@
   <p:clrMapOvr>
     <a:masterClrMapping/>
   </p:clrMapOvr>
+  <p:timing>
+    <p:tnLst>
+      <p:par>
+        <p:cTn xmlns:p14="http://schemas.microsoft.com/office/powerpoint/2010/main" id="1" dur="indefinite" restart="never" nodeType="tmRoot"/>
+      </p:par>
+    </p:tnLst>
+  </p:timing>
 </p:sld>
 </file>
 
@@ -4176,16 +4185,16 @@
               <a:buNone/>
             </a:pPr>
             <a:r>
-              <a:rPr lang="en-US" sz="7200" dirty="0" smtClean="0">
+              <a:rPr lang="en-US" sz="7200" b="1" dirty="0" smtClean="0">
                 <a:solidFill>
-                  <a:srgbClr val="FF0000"/>
+                  <a:srgbClr val="FFFFFF"/>
                 </a:solidFill>
               </a:rPr>
               <a:t>+1 (973) 321-4779</a:t>
             </a:r>
-            <a:endParaRPr lang="en-US" sz="7200" dirty="0">
+            <a:endParaRPr lang="en-US" sz="7200" b="1" dirty="0">
               <a:solidFill>
-                <a:srgbClr val="FF0000"/>
+                <a:srgbClr val="FFFFFF"/>
               </a:solidFill>
             </a:endParaRPr>
           </a:p>
@@ -4201,6 +4210,13 @@
   <p:clrMapOvr>
     <a:masterClrMapping/>
   </p:clrMapOvr>
+  <p:timing>
+    <p:tnLst>
+      <p:par>
+        <p:cTn xmlns:p14="http://schemas.microsoft.com/office/powerpoint/2010/main" id="1" dur="indefinite" restart="never" nodeType="tmRoot"/>
+      </p:par>
+    </p:tnLst>
+  </p:timing>
 </p:sld>
 </file>
 
@@ -4350,6 +4366,13 @@
   <p:clrMapOvr>
     <a:masterClrMapping/>
   </p:clrMapOvr>
+  <p:timing>
+    <p:tnLst>
+      <p:par>
+        <p:cTn xmlns:p14="http://schemas.microsoft.com/office/powerpoint/2010/main" id="1" dur="indefinite" restart="never" nodeType="tmRoot"/>
+      </p:par>
+    </p:tnLst>
+  </p:timing>
 </p:sld>
 </file>
 
